--- a/Поляков Игорь 184-2. Распознавание openCV.pptx
+++ b/Поляков Игорь 184-2. Распознавание openCV.pptx
@@ -8609,7 +8609,7 @@
         <p:spPr>
           <a:xfrm>
             <a:off x="171023" y="3354607"/>
-            <a:ext cx="4746664" cy="769441"/>
+            <a:ext cx="6743248" cy="400110"/>
           </a:xfrm>
           <a:prstGeom prst="rect">
             <a:avLst/>
@@ -8623,16 +8623,46 @@
           <a:lstStyle/>
           <a:p>
             <a:r>
-              <a:rPr lang="en-US" sz="4400" dirty="0">
+              <a:rPr lang="en-US" sz="2000" dirty="0">
                 <a:solidFill>
                   <a:schemeClr val="tx1"/>
                 </a:solidFill>
                 <a:latin typeface="Roboto" panose="020B0604020202020204" charset="0"/>
                 <a:ea typeface="Roboto" panose="020B0604020202020204" charset="0"/>
               </a:rPr>
-              <a:t>link</a:t>
+              <a:t>Source: github.com/</a:t>
             </a:r>
-            <a:endParaRPr lang="ru-RU" sz="4400" dirty="0">
+            <a:r>
+              <a:rPr lang="en-US" sz="2000" dirty="0" err="1">
+                <a:solidFill>
+                  <a:schemeClr val="tx1"/>
+                </a:solidFill>
+                <a:latin typeface="Roboto" panose="020B0604020202020204" charset="0"/>
+                <a:ea typeface="Roboto" panose="020B0604020202020204" charset="0"/>
+              </a:rPr>
+              <a:t>polyakovGit</a:t>
+            </a:r>
+            <a:r>
+              <a:rPr lang="en-US" sz="2000" dirty="0">
+                <a:solidFill>
+                  <a:schemeClr val="tx1"/>
+                </a:solidFill>
+                <a:latin typeface="Roboto" panose="020B0604020202020204" charset="0"/>
+                <a:ea typeface="Roboto" panose="020B0604020202020204" charset="0"/>
+              </a:rPr>
+              <a:t>/</a:t>
+            </a:r>
+            <a:r>
+              <a:rPr lang="en-US" sz="2000" dirty="0" err="1">
+                <a:solidFill>
+                  <a:schemeClr val="tx1"/>
+                </a:solidFill>
+                <a:latin typeface="Roboto" panose="020B0604020202020204" charset="0"/>
+                <a:ea typeface="Roboto" panose="020B0604020202020204" charset="0"/>
+              </a:rPr>
+              <a:t>projectAIS</a:t>
+            </a:r>
+            <a:endParaRPr lang="ru-RU" sz="2000" dirty="0">
               <a:solidFill>
                 <a:schemeClr val="tx1"/>
               </a:solidFill>
